--- a/Developed by Naser/Network Automation with Python.pptx
+++ b/Developed by Naser/Network Automation with Python.pptx
@@ -6,10 +6,10 @@
     <p:sldMasterId id="2147483767" r:id="rId5"/>
   </p:sldMasterIdLst>
   <p:notesMasterIdLst>
-    <p:notesMasterId r:id="rId13"/>
+    <p:notesMasterId r:id="rId14"/>
   </p:notesMasterIdLst>
   <p:handoutMasterIdLst>
-    <p:handoutMasterId r:id="rId14"/>
+    <p:handoutMasterId r:id="rId15"/>
   </p:handoutMasterIdLst>
   <p:sldIdLst>
     <p:sldId id="274" r:id="rId6"/>
@@ -18,7 +18,8 @@
     <p:sldId id="429" r:id="rId9"/>
     <p:sldId id="430" r:id="rId10"/>
     <p:sldId id="431" r:id="rId11"/>
-    <p:sldId id="351" r:id="rId12"/>
+    <p:sldId id="432" r:id="rId12"/>
+    <p:sldId id="351" r:id="rId13"/>
   </p:sldIdLst>
   <p:sldSz cx="9144000" cy="5143500" type="screen16x9"/>
   <p:notesSz cx="6858000" cy="9144000"/>
@@ -1675,7 +1676,7 @@
           <a:p>
             <a:fld id="{76892050-32D6-4683-AA77-29D2307E2774}" type="datetimeFigureOut">
               <a:rPr lang="en-AU" smtClean="0"/>
-              <a:t>16/03/2024</a:t>
+              <a:t>24/03/2024</a:t>
             </a:fld>
             <a:endParaRPr lang="en-AU"/>
           </a:p>
@@ -1853,7 +1854,7 @@
           <a:p>
             <a:fld id="{4FD0EEA6-3FE3-4FAA-B648-A79F7B237411}" type="datetimeFigureOut">
               <a:rPr lang="en-AU" smtClean="0"/>
-              <a:t>16/03/2024</a:t>
+              <a:t>24/03/2024</a:t>
             </a:fld>
             <a:endParaRPr lang="en-AU"/>
           </a:p>
@@ -2862,6 +2863,67 @@
     <p:extLst>
       <p:ext uri="{BB962C8B-B14F-4D97-AF65-F5344CB8AC3E}">
         <p14:creationId xmlns:p14="http://schemas.microsoft.com/office/powerpoint/2010/main" val="1308595277"/>
+      </p:ext>
+    </p:extLst>
+  </p:cSld>
+  <p:clrMapOvr>
+    <a:masterClrMapping/>
+  </p:clrMapOvr>
+</p:notes>
+</file>
+
+<file path=ppt/notesSlides/notesSlide4.xml><?xml version="1.0" encoding="utf-8"?>
+<p:notes xmlns:a="http://schemas.openxmlformats.org/drawingml/2006/main" xmlns:r="http://schemas.openxmlformats.org/officeDocument/2006/relationships" xmlns:p="http://schemas.openxmlformats.org/presentationml/2006/main">
+  <p:cSld>
+    <p:spTree>
+      <p:nvGrpSpPr>
+        <p:cNvPr id="1" name=""/>
+        <p:cNvGrpSpPr/>
+        <p:nvPr/>
+      </p:nvGrpSpPr>
+      <p:grpSpPr>
+        <a:xfrm>
+          <a:off x="0" y="0"/>
+          <a:ext cx="0" cy="0"/>
+          <a:chOff x="0" y="0"/>
+          <a:chExt cx="0" cy="0"/>
+        </a:xfrm>
+      </p:grpSpPr>
+      <p:sp>
+        <p:nvSpPr>
+          <p:cNvPr id="2" name="Slide Image Placeholder 1"/>
+          <p:cNvSpPr>
+            <a:spLocks noGrp="1" noRot="1" noChangeAspect="1"/>
+          </p:cNvSpPr>
+          <p:nvPr>
+            <p:ph type="sldImg"/>
+          </p:nvPr>
+        </p:nvSpPr>
+        <p:spPr/>
+      </p:sp>
+      <p:sp>
+        <p:nvSpPr>
+          <p:cNvPr id="3" name="Notes Placeholder 2"/>
+          <p:cNvSpPr>
+            <a:spLocks noGrp="1"/>
+          </p:cNvSpPr>
+          <p:nvPr>
+            <p:ph type="body" idx="1"/>
+          </p:nvPr>
+        </p:nvSpPr>
+        <p:spPr/>
+        <p:txBody>
+          <a:bodyPr/>
+          <a:lstStyle/>
+          <a:p>
+            <a:endParaRPr lang="en-AU" dirty="0"/>
+          </a:p>
+        </p:txBody>
+      </p:sp>
+    </p:spTree>
+    <p:extLst>
+      <p:ext uri="{BB962C8B-B14F-4D97-AF65-F5344CB8AC3E}">
+        <p14:creationId xmlns:p14="http://schemas.microsoft.com/office/powerpoint/2010/main" val="1320141274"/>
       </p:ext>
     </p:extLst>
   </p:cSld>
@@ -7958,6 +8020,59 @@
 </file>
 
 <file path=ppt/slides/slide7.xml><?xml version="1.0" encoding="utf-8"?>
+<p:sld xmlns:a="http://schemas.openxmlformats.org/drawingml/2006/main" xmlns:r="http://schemas.openxmlformats.org/officeDocument/2006/relationships" xmlns:p="http://schemas.openxmlformats.org/presentationml/2006/main">
+  <p:cSld>
+    <p:spTree>
+      <p:nvGrpSpPr>
+        <p:cNvPr id="1" name=""/>
+        <p:cNvGrpSpPr/>
+        <p:nvPr/>
+      </p:nvGrpSpPr>
+      <p:grpSpPr>
+        <a:xfrm>
+          <a:off x="0" y="0"/>
+          <a:ext cx="0" cy="0"/>
+          <a:chOff x="0" y="0"/>
+          <a:chExt cx="0" cy="0"/>
+        </a:xfrm>
+      </p:grpSpPr>
+      <p:sp>
+        <p:nvSpPr>
+          <p:cNvPr id="2" name="Title 1"/>
+          <p:cNvSpPr>
+            <a:spLocks noGrp="1"/>
+          </p:cNvSpPr>
+          <p:nvPr>
+            <p:ph type="title"/>
+          </p:nvPr>
+        </p:nvSpPr>
+        <p:spPr/>
+        <p:txBody>
+          <a:bodyPr/>
+          <a:lstStyle/>
+          <a:p>
+            <a:r>
+              <a:rPr lang="en-US" dirty="0"/>
+              <a:t>Python</a:t>
+            </a:r>
+            <a:endParaRPr lang="en-AU" dirty="0"/>
+          </a:p>
+        </p:txBody>
+      </p:sp>
+    </p:spTree>
+    <p:extLst>
+      <p:ext uri="{BB962C8B-B14F-4D97-AF65-F5344CB8AC3E}">
+        <p14:creationId xmlns:p14="http://schemas.microsoft.com/office/powerpoint/2010/main" val="2943081488"/>
+      </p:ext>
+    </p:extLst>
+  </p:cSld>
+  <p:clrMapOvr>
+    <a:masterClrMapping/>
+  </p:clrMapOvr>
+</p:sld>
+</file>
+
+<file path=ppt/slides/slide8.xml><?xml version="1.0" encoding="utf-8"?>
 <p:sld xmlns:a="http://schemas.openxmlformats.org/drawingml/2006/main" xmlns:r="http://schemas.openxmlformats.org/officeDocument/2006/relationships" xmlns:p="http://schemas.openxmlformats.org/presentationml/2006/main">
   <p:cSld>
     <p:bg>
@@ -9150,6 +9265,15 @@
 </file>
 
 <file path=customXml/item1.xml><?xml version="1.0" encoding="utf-8"?>
+<?mso-contentType ?>
+<FormTemplates xmlns="http://schemas.microsoft.com/sharepoint/v3/contenttype/forms">
+  <Display>DocumentLibraryForm</Display>
+  <Edit>DocumentLibraryForm</Edit>
+  <New>DocumentLibraryForm</New>
+</FormTemplates>
+</file>
+
+<file path=customXml/item2.xml><?xml version="1.0" encoding="utf-8"?>
 <ct:contentTypeSchema xmlns:ct="http://schemas.microsoft.com/office/2006/metadata/contentType" xmlns:ma="http://schemas.microsoft.com/office/2006/metadata/properties/metaAttributes" ct:_="" ma:_="" ma:contentTypeName="Document" ma:contentTypeID="0x010100F0136C6F1B91FC4ABB59A5E41C1D15ED" ma:contentTypeVersion="7" ma:contentTypeDescription="Create a new document." ma:contentTypeScope="" ma:versionID="a2e5d2cddfcb82ea422be74da2438c5f">
   <xsd:schema xmlns:xsd="http://www.w3.org/2001/XMLSchema" xmlns:xs="http://www.w3.org/2001/XMLSchema" xmlns:p="http://schemas.microsoft.com/office/2006/metadata/properties" xmlns:ns2="2dbc87f3-b7b4-400e-9dd6-1b7160f51f5f" xmlns:ns3="e0ca48d8-9427-49f1-bc8e-83206e14ba0b" targetNamespace="http://schemas.microsoft.com/office/2006/metadata/properties" ma:root="true" ma:fieldsID="6f32d0c11afc23d704a4e4c1bbc4b607" ns2:_="" ns3:_="">
     <xsd:import namespace="2dbc87f3-b7b4-400e-9dd6-1b7160f51f5f"/>
@@ -9405,15 +9529,6 @@
 </ct:contentTypeSchema>
 </file>
 
-<file path=customXml/item2.xml><?xml version="1.0" encoding="utf-8"?>
-<?mso-contentType ?>
-<FormTemplates xmlns="http://schemas.microsoft.com/sharepoint/v3/contenttype/forms">
-  <Display>DocumentLibraryForm</Display>
-  <Edit>DocumentLibraryForm</Edit>
-  <New>DocumentLibraryForm</New>
-</FormTemplates>
-</file>
-
 <file path=customXml/item3.xml><?xml version="1.0" encoding="utf-8"?>
 <p:properties xmlns:p="http://schemas.microsoft.com/office/2006/metadata/properties" xmlns:xsi="http://www.w3.org/2001/XMLSchema-instance" xmlns:pc="http://schemas.microsoft.com/office/infopath/2007/PartnerControls">
   <documentManagement>
@@ -9440,6 +9555,14 @@
 </file>
 
 <file path=customXml/itemProps1.xml><?xml version="1.0" encoding="utf-8"?>
+<ds:datastoreItem xmlns:ds="http://schemas.openxmlformats.org/officeDocument/2006/customXml" ds:itemID="{B7A18B36-A80C-4899-95BA-ED55280B77DB}">
+  <ds:schemaRefs>
+    <ds:schemaRef ds:uri="http://schemas.microsoft.com/sharepoint/v3/contenttype/forms"/>
+  </ds:schemaRefs>
+</ds:datastoreItem>
+</file>
+
+<file path=customXml/itemProps2.xml><?xml version="1.0" encoding="utf-8"?>
 <ds:datastoreItem xmlns:ds="http://schemas.openxmlformats.org/officeDocument/2006/customXml" ds:itemID="{CEB4C040-6E22-4685-B256-5EA2A4ED9B96}">
   <ds:schemaRefs>
     <ds:schemaRef ds:uri="http://schemas.microsoft.com/office/2006/metadata/contentType"/>
@@ -9454,14 +9577,6 @@
     <ds:schemaRef ds:uri="http://purl.org/dc/elements/1.1/"/>
     <ds:schemaRef ds:uri="http://purl.org/dc/terms/"/>
     <ds:schemaRef ds:uri="http://schemas.microsoft.com/internal/obd"/>
-  </ds:schemaRefs>
-</ds:datastoreItem>
-</file>
-
-<file path=customXml/itemProps2.xml><?xml version="1.0" encoding="utf-8"?>
-<ds:datastoreItem xmlns:ds="http://schemas.openxmlformats.org/officeDocument/2006/customXml" ds:itemID="{B7A18B36-A80C-4899-95BA-ED55280B77DB}">
-  <ds:schemaRefs>
-    <ds:schemaRef ds:uri="http://schemas.microsoft.com/sharepoint/v3/contenttype/forms"/>
   </ds:schemaRefs>
 </ds:datastoreItem>
 </file>
